--- a/Presentatie/2015 06 04 Presentatie II.pptx
+++ b/Presentatie/2015 06 04 Presentatie II.pptx
@@ -119,6 +119,22 @@
       </a:defRPr>
     </a:lvl9pPr>
   </p:defaultTextStyle>
+  <p:extLst>
+    <p:ext uri="{EFAFB233-063F-42B5-8137-9DF3F51BA10A}">
+      <p15:sldGuideLst xmlns:p15="http://schemas.microsoft.com/office/powerpoint/2012/main">
+        <p15:guide id="1" orient="horz" pos="2160">
+          <p15:clr>
+            <a:srgbClr val="A4A3A4"/>
+          </p15:clr>
+        </p15:guide>
+        <p15:guide id="2" pos="2880">
+          <p15:clr>
+            <a:srgbClr val="A4A3A4"/>
+          </p15:clr>
+        </p15:guide>
+      </p15:sldGuideLst>
+    </p:ext>
+  </p:extLst>
 </p:presentation>
 </file>
 
@@ -204,7 +220,7 @@
           <a:p>
             <a:fld id="{76CB4545-7074-4987-9311-BC63D77EFF55}" type="datetimeFigureOut">
               <a:rPr lang="nl-BE" smtClean="0"/>
-              <a:t>4/06/2015</a:t>
+              <a:t>9/06/2015</a:t>
             </a:fld>
             <a:endParaRPr lang="nl-BE"/>
           </a:p>
@@ -1528,7 +1544,7 @@
                 </a:solidFill>
               </a:rPr>
               <a:pPr/>
-              <a:t>6/4/2015</a:t>
+              <a:t>6/9/2015</a:t>
             </a:fld>
             <a:endParaRPr lang="en-US" dirty="0">
               <a:solidFill>
@@ -1720,7 +1736,7 @@
                 </a:solidFill>
               </a:rPr>
               <a:pPr/>
-              <a:t>6/4/2015</a:t>
+              <a:t>6/9/2015</a:t>
             </a:fld>
             <a:endParaRPr lang="en-US" dirty="0">
               <a:solidFill>
@@ -1965,7 +1981,7 @@
                 </a:solidFill>
               </a:rPr>
               <a:pPr/>
-              <a:t>6/4/2015</a:t>
+              <a:t>6/9/2015</a:t>
             </a:fld>
             <a:endParaRPr lang="en-US" dirty="0">
               <a:solidFill>
@@ -2167,7 +2183,7 @@
                 </a:solidFill>
               </a:rPr>
               <a:pPr/>
-              <a:t>6/4/2015</a:t>
+              <a:t>6/9/2015</a:t>
             </a:fld>
             <a:endParaRPr lang="en-US" dirty="0">
               <a:solidFill>
@@ -2495,7 +2511,7 @@
                 </a:solidFill>
               </a:rPr>
               <a:pPr/>
-              <a:t>6/4/2015</a:t>
+              <a:t>6/9/2015</a:t>
             </a:fld>
             <a:endParaRPr lang="en-US" dirty="0">
               <a:solidFill>
@@ -2821,7 +2837,7 @@
                 </a:solidFill>
               </a:rPr>
               <a:pPr/>
-              <a:t>6/4/2015</a:t>
+              <a:t>6/9/2015</a:t>
             </a:fld>
             <a:endParaRPr lang="en-US" dirty="0">
               <a:solidFill>
@@ -3265,7 +3281,7 @@
                 </a:solidFill>
               </a:rPr>
               <a:pPr/>
-              <a:t>6/4/2015</a:t>
+              <a:t>6/9/2015</a:t>
             </a:fld>
             <a:endParaRPr lang="en-US" dirty="0">
               <a:solidFill>
@@ -3405,7 +3421,7 @@
                 </a:solidFill>
               </a:rPr>
               <a:pPr/>
-              <a:t>6/4/2015</a:t>
+              <a:t>6/9/2015</a:t>
             </a:fld>
             <a:endParaRPr lang="en-US" dirty="0">
               <a:solidFill>
@@ -3522,7 +3538,7 @@
                 </a:solidFill>
               </a:rPr>
               <a:pPr/>
-              <a:t>6/4/2015</a:t>
+              <a:t>6/9/2015</a:t>
             </a:fld>
             <a:endParaRPr lang="en-US" dirty="0">
               <a:solidFill>
@@ -3817,7 +3833,7 @@
                 </a:solidFill>
               </a:rPr>
               <a:pPr/>
-              <a:t>6/4/2015</a:t>
+              <a:t>6/9/2015</a:t>
             </a:fld>
             <a:endParaRPr lang="en-US" dirty="0">
               <a:solidFill>
@@ -4104,7 +4120,7 @@
                 </a:solidFill>
               </a:rPr>
               <a:pPr/>
-              <a:t>6/4/2015</a:t>
+              <a:t>6/9/2015</a:t>
             </a:fld>
             <a:endParaRPr lang="en-US" dirty="0">
               <a:solidFill>
@@ -4376,7 +4392,7 @@
                 </a:solidFill>
               </a:rPr>
               <a:pPr defTabSz="457200"/>
-              <a:t>6/4/2015</a:t>
+              <a:t>6/9/2015</a:t>
             </a:fld>
             <a:endParaRPr lang="en-US" dirty="0">
               <a:solidFill>
@@ -4979,7 +4995,7 @@
       </p:sp>
       <p:sp>
         <p:nvSpPr>
-          <p:cNvPr id="5" name="Tijdelijke aanduiding voor inhoud 4"/>
+          <p:cNvPr id="3" name="Tijdelijke aanduiding voor inhoud 2"/>
           <p:cNvSpPr>
             <a:spLocks noGrp="1"/>
           </p:cNvSpPr>
@@ -4989,15 +5005,10 @@
         </p:nvSpPr>
         <p:spPr/>
         <p:txBody>
-          <a:bodyPr>
-            <a:normAutofit/>
-          </a:bodyPr>
-          <a:lstStyle/>
-          <a:p>
-            <a:pPr marL="228600" lvl="1" indent="0">
-              <a:buNone/>
-            </a:pPr>
-            <a:endParaRPr lang="en-US" altLang="nl-BE" sz="2400" dirty="0"/>
+          <a:bodyPr/>
+          <a:lstStyle/>
+          <a:p>
+            <a:endParaRPr lang="nl-BE" dirty="0"/>
           </a:p>
         </p:txBody>
       </p:sp>
@@ -5081,7 +5092,7 @@
             <a:pPr marL="228600" lvl="1" indent="0">
               <a:buNone/>
             </a:pPr>
-            <a:endParaRPr lang="en-US" altLang="nl-BE" sz="2400" dirty="0"/>
+            <a:endParaRPr lang="en-US" altLang="nl-BE" sz="2400" dirty="0" smtClean="0"/>
           </a:p>
         </p:txBody>
       </p:sp>
@@ -6405,7 +6416,7 @@
   <a:extraClrSchemeLst/>
   <a:extLst>
     <a:ext uri="{05A4C25C-085E-4340-85A3-A5531E510DB2}">
-      <thm15:themeFamily xmlns="" xmlns:thm15="http://schemas.microsoft.com/office/thememl/2012/main" name="Banded" id="{98DFF888-2449-4D28-977C-6306C017633E}" vid="{9792607F-9579-4224-82FF-9C88C3E1E53D}"/>
+      <thm15:themeFamily xmlns:thm15="http://schemas.microsoft.com/office/thememl/2012/main" name="Banded" id="{98DFF888-2449-4D28-977C-6306C017633E}" vid="{9792607F-9579-4224-82FF-9C88C3E1E53D}"/>
     </a:ext>
   </a:extLst>
 </a:theme>

--- a/Presentatie/2015 06 04 Presentatie II.pptx
+++ b/Presentatie/2015 06 04 Presentatie II.pptx
@@ -5,7 +5,7 @@
     <p:sldMasterId id="2147483660" r:id="rId1"/>
   </p:sldMasterIdLst>
   <p:notesMasterIdLst>
-    <p:notesMasterId r:id="rId29"/>
+    <p:notesMasterId r:id="rId30"/>
   </p:notesMasterIdLst>
   <p:sldIdLst>
     <p:sldId id="256" r:id="rId2"/>
@@ -34,7 +34,8 @@
     <p:sldId id="294" r:id="rId25"/>
     <p:sldId id="295" r:id="rId26"/>
     <p:sldId id="279" r:id="rId27"/>
-    <p:sldId id="272" r:id="rId28"/>
+    <p:sldId id="296" r:id="rId28"/>
+    <p:sldId id="272" r:id="rId29"/>
   </p:sldIdLst>
   <p:sldSz cx="9144000" cy="6858000" type="screen4x3"/>
   <p:notesSz cx="6858000" cy="9144000"/>
@@ -1151,6 +1152,112 @@
     <p:extLst>
       <p:ext uri="{BB962C8B-B14F-4D97-AF65-F5344CB8AC3E}">
         <p14:creationId xmlns:p14="http://schemas.microsoft.com/office/powerpoint/2010/main" val="2811823657"/>
+      </p:ext>
+    </p:extLst>
+  </p:cSld>
+  <p:clrMapOvr>
+    <a:masterClrMapping/>
+  </p:clrMapOvr>
+</p:notes>
+</file>
+
+<file path=ppt/notesSlides/notesSlide15.xml><?xml version="1.0" encoding="utf-8"?>
+<p:notes xmlns:a="http://schemas.openxmlformats.org/drawingml/2006/main" xmlns:r="http://schemas.openxmlformats.org/officeDocument/2006/relationships" xmlns:p="http://schemas.openxmlformats.org/presentationml/2006/main">
+  <p:cSld>
+    <p:spTree>
+      <p:nvGrpSpPr>
+        <p:cNvPr id="1" name=""/>
+        <p:cNvGrpSpPr/>
+        <p:nvPr/>
+      </p:nvGrpSpPr>
+      <p:grpSpPr>
+        <a:xfrm>
+          <a:off x="0" y="0"/>
+          <a:ext cx="0" cy="0"/>
+          <a:chOff x="0" y="0"/>
+          <a:chExt cx="0" cy="0"/>
+        </a:xfrm>
+      </p:grpSpPr>
+      <p:sp>
+        <p:nvSpPr>
+          <p:cNvPr id="2" name="Tijdelijke aanduiding voor dia-afbeelding 1"/>
+          <p:cNvSpPr>
+            <a:spLocks noGrp="1" noRot="1" noChangeAspect="1"/>
+          </p:cNvSpPr>
+          <p:nvPr>
+            <p:ph type="sldImg"/>
+          </p:nvPr>
+        </p:nvSpPr>
+        <p:spPr/>
+      </p:sp>
+      <p:sp>
+        <p:nvSpPr>
+          <p:cNvPr id="3" name="Tijdelijke aanduiding voor notities 2"/>
+          <p:cNvSpPr>
+            <a:spLocks noGrp="1"/>
+          </p:cNvSpPr>
+          <p:nvPr>
+            <p:ph type="body" idx="1"/>
+          </p:nvPr>
+        </p:nvSpPr>
+        <p:spPr/>
+        <p:txBody>
+          <a:bodyPr/>
+          <a:lstStyle/>
+          <a:p>
+            <a:r>
+              <a:rPr lang="nl-BE" dirty="0" smtClean="0"/>
+              <a:t>Cedric</a:t>
+            </a:r>
+          </a:p>
+          <a:p>
+            <a:r>
+              <a:rPr lang="nl-BE" dirty="0" smtClean="0"/>
+              <a:t>Aantal features voorstellen vanuit het </a:t>
+            </a:r>
+            <a:r>
+              <a:rPr lang="nl-BE" dirty="0" err="1" smtClean="0"/>
+              <a:t>use</a:t>
+            </a:r>
+            <a:r>
+              <a:rPr lang="nl-BE" dirty="0" smtClean="0"/>
+              <a:t>-casediagram en dan ook nog een aantal geavanceerde</a:t>
+            </a:r>
+            <a:r>
+              <a:rPr lang="nl-BE" baseline="0" dirty="0" smtClean="0"/>
+              <a:t> zaken</a:t>
+            </a:r>
+            <a:endParaRPr lang="nl-BE" dirty="0"/>
+          </a:p>
+        </p:txBody>
+      </p:sp>
+      <p:sp>
+        <p:nvSpPr>
+          <p:cNvPr id="4" name="Tijdelijke aanduiding voor dianummer 3"/>
+          <p:cNvSpPr>
+            <a:spLocks noGrp="1"/>
+          </p:cNvSpPr>
+          <p:nvPr>
+            <p:ph type="sldNum" sz="quarter" idx="10"/>
+          </p:nvPr>
+        </p:nvSpPr>
+        <p:spPr/>
+        <p:txBody>
+          <a:bodyPr/>
+          <a:lstStyle/>
+          <a:p>
+            <a:fld id="{968E3BEB-7864-49C1-AECF-08F91EDADE17}" type="slidenum">
+              <a:rPr lang="nl-BE" smtClean="0"/>
+              <a:t>27</a:t>
+            </a:fld>
+            <a:endParaRPr lang="nl-BE"/>
+          </a:p>
+        </p:txBody>
+      </p:sp>
+    </p:spTree>
+    <p:extLst>
+      <p:ext uri="{BB962C8B-B14F-4D97-AF65-F5344CB8AC3E}">
+        <p14:creationId xmlns:p14="http://schemas.microsoft.com/office/powerpoint/2010/main" val="692608000"/>
       </p:ext>
     </p:extLst>
   </p:cSld>
@@ -22082,7 +22189,7 @@
           <a:p>
             <a:r>
               <a:rPr lang="nl-BE" dirty="0" smtClean="0"/>
-              <a:t>Toekomst?</a:t>
+              <a:t>LIVE DEMO</a:t>
             </a:r>
             <a:endParaRPr lang="nl-BE" dirty="0"/>
           </a:p>
@@ -22133,6 +22240,90 @@
 </file>
 
 <file path=ppt/slides/slide27.xml><?xml version="1.0" encoding="utf-8"?>
+<p:sld xmlns:a="http://schemas.openxmlformats.org/drawingml/2006/main" xmlns:r="http://schemas.openxmlformats.org/officeDocument/2006/relationships" xmlns:p="http://schemas.openxmlformats.org/presentationml/2006/main">
+  <p:cSld>
+    <p:spTree>
+      <p:nvGrpSpPr>
+        <p:cNvPr id="1" name=""/>
+        <p:cNvGrpSpPr/>
+        <p:nvPr/>
+      </p:nvGrpSpPr>
+      <p:grpSpPr>
+        <a:xfrm>
+          <a:off x="0" y="0"/>
+          <a:ext cx="0" cy="0"/>
+          <a:chOff x="0" y="0"/>
+          <a:chExt cx="0" cy="0"/>
+        </a:xfrm>
+      </p:grpSpPr>
+      <p:sp>
+        <p:nvSpPr>
+          <p:cNvPr id="2" name="Titel 1"/>
+          <p:cNvSpPr>
+            <a:spLocks noGrp="1"/>
+          </p:cNvSpPr>
+          <p:nvPr>
+            <p:ph type="title"/>
+          </p:nvPr>
+        </p:nvSpPr>
+        <p:spPr/>
+        <p:txBody>
+          <a:bodyPr/>
+          <a:lstStyle/>
+          <a:p>
+            <a:r>
+              <a:rPr lang="nl-BE" dirty="0" smtClean="0"/>
+              <a:t>Toekomst?</a:t>
+            </a:r>
+            <a:endParaRPr lang="nl-BE" dirty="0"/>
+          </a:p>
+        </p:txBody>
+      </p:sp>
+      <p:sp>
+        <p:nvSpPr>
+          <p:cNvPr id="5" name="Tijdelijke aanduiding voor inhoud 4"/>
+          <p:cNvSpPr>
+            <a:spLocks noGrp="1"/>
+          </p:cNvSpPr>
+          <p:nvPr>
+            <p:ph idx="1"/>
+          </p:nvPr>
+        </p:nvSpPr>
+        <p:spPr/>
+        <p:txBody>
+          <a:bodyPr>
+            <a:normAutofit/>
+          </a:bodyPr>
+          <a:lstStyle/>
+          <a:p>
+            <a:pPr marL="228600" lvl="1" indent="0">
+              <a:buNone/>
+            </a:pPr>
+            <a:endParaRPr lang="en-US" altLang="nl-BE" sz="2400" dirty="0"/>
+          </a:p>
+        </p:txBody>
+      </p:sp>
+    </p:spTree>
+    <p:extLst>
+      <p:ext uri="{BB962C8B-B14F-4D97-AF65-F5344CB8AC3E}">
+        <p14:creationId xmlns:p14="http://schemas.microsoft.com/office/powerpoint/2010/main" val="4112384750"/>
+      </p:ext>
+    </p:extLst>
+  </p:cSld>
+  <p:clrMapOvr>
+    <a:masterClrMapping/>
+  </p:clrMapOvr>
+  <p:timing>
+    <p:tnLst>
+      <p:par>
+        <p:cTn id="1" dur="indefinite" restart="never" nodeType="tmRoot"/>
+      </p:par>
+    </p:tnLst>
+  </p:timing>
+</p:sld>
+</file>
+
+<file path=ppt/slides/slide28.xml><?xml version="1.0" encoding="utf-8"?>
 <p:sld xmlns:a="http://schemas.openxmlformats.org/drawingml/2006/main" xmlns:r="http://schemas.openxmlformats.org/officeDocument/2006/relationships" xmlns:p="http://schemas.openxmlformats.org/presentationml/2006/main">
   <p:cSld>
     <p:spTree>
